--- a/experiment/images/stimuli/wall_1.pptx
+++ b/experiment/images/stimuli/wall_1.pptx
@@ -104,6 +104,11 @@
       </a:defRPr>
     </a:lvl9pPr>
   </p:defaultTextStyle>
+  <p:extLst>
+    <p:ext uri="{EFAFB233-063F-42B5-8137-9DF3F51BA10A}">
+      <p15:sldGuideLst xmlns:p15="http://schemas.microsoft.com/office/powerpoint/2012/main"/>
+    </p:ext>
+  </p:extLst>
 </p:presentation>
 </file>
 
@@ -254,7 +259,7 @@
           <a:p>
             <a:fld id="{E997AC3B-8BB9-4642-B27C-6B07FA5F3350}" type="datetimeFigureOut">
               <a:rPr lang="en-US" smtClean="0"/>
-              <a:t>2/5/21</a:t>
+              <a:t>2/8/21</a:t>
             </a:fld>
             <a:endParaRPr lang="en-US"/>
           </a:p>
@@ -452,7 +457,7 @@
           <a:p>
             <a:fld id="{E997AC3B-8BB9-4642-B27C-6B07FA5F3350}" type="datetimeFigureOut">
               <a:rPr lang="en-US" smtClean="0"/>
-              <a:t>2/5/21</a:t>
+              <a:t>2/8/21</a:t>
             </a:fld>
             <a:endParaRPr lang="en-US"/>
           </a:p>
@@ -593,7 +598,7 @@
         </p:nvSpPr>
         <p:spPr>
           <a:xfrm>
-            <a:off x="838200" y="365125"/>
+            <a:off x="838201" y="365125"/>
             <a:ext cx="7734300" cy="5811838"/>
           </a:xfrm>
         </p:spPr>
@@ -660,7 +665,7 @@
           <a:p>
             <a:fld id="{E997AC3B-8BB9-4642-B27C-6B07FA5F3350}" type="datetimeFigureOut">
               <a:rPr lang="en-US" smtClean="0"/>
-              <a:t>2/5/21</a:t>
+              <a:t>2/8/21</a:t>
             </a:fld>
             <a:endParaRPr lang="en-US"/>
           </a:p>
@@ -858,7 +863,7 @@
           <a:p>
             <a:fld id="{E997AC3B-8BB9-4642-B27C-6B07FA5F3350}" type="datetimeFigureOut">
               <a:rPr lang="en-US" smtClean="0"/>
-              <a:t>2/5/21</a:t>
+              <a:t>2/8/21</a:t>
             </a:fld>
             <a:endParaRPr lang="en-US"/>
           </a:p>
@@ -966,7 +971,7 @@
         </p:nvSpPr>
         <p:spPr>
           <a:xfrm>
-            <a:off x="831850" y="1709738"/>
+            <a:off x="831850" y="1709740"/>
             <a:ext cx="10515600" cy="2852737"/>
           </a:xfrm>
         </p:spPr>
@@ -1003,7 +1008,7 @@
         </p:nvSpPr>
         <p:spPr>
           <a:xfrm>
-            <a:off x="831850" y="4589463"/>
+            <a:off x="831850" y="4589465"/>
             <a:ext cx="10515600" cy="1500187"/>
           </a:xfrm>
         </p:spPr>
@@ -1133,7 +1138,7 @@
           <a:p>
             <a:fld id="{E997AC3B-8BB9-4642-B27C-6B07FA5F3350}" type="datetimeFigureOut">
               <a:rPr lang="en-US" smtClean="0"/>
-              <a:t>2/5/21</a:t>
+              <a:t>2/8/21</a:t>
             </a:fld>
             <a:endParaRPr lang="en-US"/>
           </a:p>
@@ -1398,7 +1403,7 @@
           <a:p>
             <a:fld id="{E997AC3B-8BB9-4642-B27C-6B07FA5F3350}" type="datetimeFigureOut">
               <a:rPr lang="en-US" smtClean="0"/>
-              <a:t>2/5/21</a:t>
+              <a:t>2/8/21</a:t>
             </a:fld>
             <a:endParaRPr lang="en-US"/>
           </a:p>
@@ -1506,7 +1511,7 @@
         </p:nvSpPr>
         <p:spPr>
           <a:xfrm>
-            <a:off x="839788" y="365125"/>
+            <a:off x="839788" y="365127"/>
             <a:ext cx="10515600" cy="1325563"/>
           </a:xfrm>
         </p:spPr>
@@ -1539,7 +1544,7 @@
         </p:nvSpPr>
         <p:spPr>
           <a:xfrm>
-            <a:off x="839788" y="1681163"/>
+            <a:off x="839789" y="1681163"/>
             <a:ext cx="5157787" cy="823912"/>
           </a:xfrm>
         </p:spPr>
@@ -1610,7 +1615,7 @@
         </p:nvSpPr>
         <p:spPr>
           <a:xfrm>
-            <a:off x="839788" y="2505075"/>
+            <a:off x="839789" y="2505075"/>
             <a:ext cx="5157787" cy="3684588"/>
           </a:xfrm>
         </p:spPr>
@@ -1810,7 +1815,7 @@
           <a:p>
             <a:fld id="{E997AC3B-8BB9-4642-B27C-6B07FA5F3350}" type="datetimeFigureOut">
               <a:rPr lang="en-US" smtClean="0"/>
-              <a:t>2/5/21</a:t>
+              <a:t>2/8/21</a:t>
             </a:fld>
             <a:endParaRPr lang="en-US"/>
           </a:p>
@@ -1951,7 +1956,7 @@
           <a:p>
             <a:fld id="{E997AC3B-8BB9-4642-B27C-6B07FA5F3350}" type="datetimeFigureOut">
               <a:rPr lang="en-US" smtClean="0"/>
-              <a:t>2/5/21</a:t>
+              <a:t>2/8/21</a:t>
             </a:fld>
             <a:endParaRPr lang="en-US"/>
           </a:p>
@@ -2064,7 +2069,7 @@
           <a:p>
             <a:fld id="{E997AC3B-8BB9-4642-B27C-6B07FA5F3350}" type="datetimeFigureOut">
               <a:rPr lang="en-US" smtClean="0"/>
-              <a:t>2/5/21</a:t>
+              <a:t>2/8/21</a:t>
             </a:fld>
             <a:endParaRPr lang="en-US"/>
           </a:p>
@@ -2172,7 +2177,7 @@
         </p:nvSpPr>
         <p:spPr>
           <a:xfrm>
-            <a:off x="839788" y="457200"/>
+            <a:off x="839789" y="457200"/>
             <a:ext cx="3932237" cy="1600200"/>
           </a:xfrm>
         </p:spPr>
@@ -2209,7 +2214,7 @@
         </p:nvSpPr>
         <p:spPr>
           <a:xfrm>
-            <a:off x="5183188" y="987425"/>
+            <a:off x="5183189" y="987427"/>
             <a:ext cx="6172200" cy="4873625"/>
           </a:xfrm>
         </p:spPr>
@@ -2299,7 +2304,7 @@
         </p:nvSpPr>
         <p:spPr>
           <a:xfrm>
-            <a:off x="839788" y="2057400"/>
+            <a:off x="839789" y="2057400"/>
             <a:ext cx="3932237" cy="3811588"/>
           </a:xfrm>
         </p:spPr>
@@ -2375,7 +2380,7 @@
           <a:p>
             <a:fld id="{E997AC3B-8BB9-4642-B27C-6B07FA5F3350}" type="datetimeFigureOut">
               <a:rPr lang="en-US" smtClean="0"/>
-              <a:t>2/5/21</a:t>
+              <a:t>2/8/21</a:t>
             </a:fld>
             <a:endParaRPr lang="en-US"/>
           </a:p>
@@ -2483,7 +2488,7 @@
         </p:nvSpPr>
         <p:spPr>
           <a:xfrm>
-            <a:off x="839788" y="457200"/>
+            <a:off x="839789" y="457200"/>
             <a:ext cx="3932237" cy="1600200"/>
           </a:xfrm>
         </p:spPr>
@@ -2520,7 +2525,7 @@
         </p:nvSpPr>
         <p:spPr>
           <a:xfrm>
-            <a:off x="5183188" y="987425"/>
+            <a:off x="5183189" y="987427"/>
             <a:ext cx="6172200" cy="4873625"/>
           </a:xfrm>
         </p:spPr>
@@ -2587,7 +2592,7 @@
         </p:nvSpPr>
         <p:spPr>
           <a:xfrm>
-            <a:off x="839788" y="2057400"/>
+            <a:off x="839789" y="2057400"/>
             <a:ext cx="3932237" cy="3811588"/>
           </a:xfrm>
         </p:spPr>
@@ -2663,7 +2668,7 @@
           <a:p>
             <a:fld id="{E997AC3B-8BB9-4642-B27C-6B07FA5F3350}" type="datetimeFigureOut">
               <a:rPr lang="en-US" smtClean="0"/>
-              <a:t>2/5/21</a:t>
+              <a:t>2/8/21</a:t>
             </a:fld>
             <a:endParaRPr lang="en-US"/>
           </a:p>
@@ -2776,7 +2781,7 @@
         </p:nvSpPr>
         <p:spPr>
           <a:xfrm>
-            <a:off x="838200" y="365125"/>
+            <a:off x="838200" y="365127"/>
             <a:ext cx="10515600" cy="1325563"/>
           </a:xfrm>
           <a:prstGeom prst="rect">
@@ -2881,7 +2886,7 @@
         </p:nvSpPr>
         <p:spPr>
           <a:xfrm>
-            <a:off x="838200" y="6356350"/>
+            <a:off x="838201" y="6356352"/>
             <a:ext cx="2743200" cy="365125"/>
           </a:xfrm>
           <a:prstGeom prst="rect">
@@ -2904,7 +2909,7 @@
           <a:p>
             <a:fld id="{E997AC3B-8BB9-4642-B27C-6B07FA5F3350}" type="datetimeFigureOut">
               <a:rPr lang="en-US" smtClean="0"/>
-              <a:t>2/5/21</a:t>
+              <a:t>2/8/21</a:t>
             </a:fld>
             <a:endParaRPr lang="en-US"/>
           </a:p>
@@ -2928,7 +2933,7 @@
         </p:nvSpPr>
         <p:spPr>
           <a:xfrm>
-            <a:off x="4038600" y="6356350"/>
+            <a:off x="4038600" y="6356352"/>
             <a:ext cx="4114800" cy="365125"/>
           </a:xfrm>
           <a:prstGeom prst="rect">
@@ -2971,7 +2976,7 @@
         </p:nvSpPr>
         <p:spPr>
           <a:xfrm>
-            <a:off x="8610600" y="6356350"/>
+            <a:off x="8610600" y="6356352"/>
             <a:ext cx="2743200" cy="365125"/>
           </a:xfrm>
           <a:prstGeom prst="rect">
